--- a/docs/Decisions with ODM and PDF Forms.pptx
+++ b/docs/Decisions with ODM and PDF Forms.pptx
@@ -5,12 +5,16 @@
     <p:sldMasterId id="2147483781" r:id="rId1"/>
   </p:sldMasterIdLst>
   <p:notesMasterIdLst>
-    <p:notesMasterId r:id="rId5"/>
+    <p:notesMasterId r:id="rId9"/>
   </p:notesMasterIdLst>
   <p:sldIdLst>
     <p:sldId id="512" r:id="rId2"/>
-    <p:sldId id="598" r:id="rId3"/>
-    <p:sldId id="511" r:id="rId4"/>
+    <p:sldId id="599" r:id="rId3"/>
+    <p:sldId id="598" r:id="rId4"/>
+    <p:sldId id="600" r:id="rId5"/>
+    <p:sldId id="601" r:id="rId6"/>
+    <p:sldId id="602" r:id="rId7"/>
+    <p:sldId id="511" r:id="rId8"/>
   </p:sldIdLst>
   <p:sldSz cx="9144000" cy="5143500" type="screen16x9"/>
   <p:notesSz cx="6858000" cy="9144000"/>
@@ -651,7 +655,7 @@
           <p:cNvPr id="12" name="Picture 11">
             <a:extLst>
               <a:ext uri="{FF2B5EF4-FFF2-40B4-BE49-F238E27FC236}">
-                <a16:creationId xmlns="" xmlns:a16="http://schemas.microsoft.com/office/drawing/2014/main" id="{022AB0AE-B28A-4A96-AAD3-D392D347F72A}"/>
+                <a16:creationId xmlns:a16="http://schemas.microsoft.com/office/drawing/2014/main" xmlns="" id="{022AB0AE-B28A-4A96-AAD3-D392D347F72A}"/>
               </a:ext>
             </a:extLst>
           </p:cNvPr>
@@ -756,7 +760,7 @@
           <p:cNvPr id="13" name="Picture 12">
             <a:extLst>
               <a:ext uri="{FF2B5EF4-FFF2-40B4-BE49-F238E27FC236}">
-                <a16:creationId xmlns="" xmlns:a16="http://schemas.microsoft.com/office/drawing/2014/main" id="{CD378CF6-5562-4A2B-9A64-88D2566A964B}"/>
+                <a16:creationId xmlns:a16="http://schemas.microsoft.com/office/drawing/2014/main" xmlns="" id="{CD378CF6-5562-4A2B-9A64-88D2566A964B}"/>
               </a:ext>
             </a:extLst>
           </p:cNvPr>
@@ -3682,7 +3686,11 @@
           <a:bodyPr/>
           <a:lstStyle/>
           <a:p>
-            <a:endParaRPr lang="en-US"/>
+            <a:r>
+              <a:rPr lang="en-US" dirty="0" smtClean="0"/>
+              <a:t>Step 1: XOM set-up</a:t>
+            </a:r>
+            <a:endParaRPr lang="en-US" dirty="0"/>
           </a:p>
         </p:txBody>
       </p:sp>
@@ -3720,12 +3728,170 @@
             <p:ph type="body" sz="quarter" idx="12"/>
           </p:nvPr>
         </p:nvSpPr>
-        <p:spPr/>
+        <p:spPr>
+          <a:xfrm>
+            <a:off x="228600" y="884664"/>
+            <a:ext cx="3869267" cy="3825894"/>
+          </a:xfrm>
+        </p:spPr>
         <p:txBody>
           <a:bodyPr/>
           <a:lstStyle/>
           <a:p>
-            <a:endParaRPr lang="en-US"/>
+            <a:pPr marL="285750" indent="-285750">
+              <a:spcBef>
+                <a:spcPts val="600"/>
+              </a:spcBef>
+              <a:buFont typeface="Wingdings" panose="05000000000000000000" pitchFamily="2" charset="2"/>
+              <a:buChar char="§"/>
+            </a:pPr>
+            <a:r>
+              <a:rPr lang="en-US" dirty="0" smtClean="0"/>
+              <a:t>Create a </a:t>
+            </a:r>
+            <a:r>
+              <a:rPr lang="en-US" dirty="0" smtClean="0">
+                <a:latin typeface="Consolas" panose="020B0609020204030204" pitchFamily="49" charset="0"/>
+                <a:cs typeface="Consolas" panose="020B0609020204030204" pitchFamily="49" charset="0"/>
+              </a:rPr>
+              <a:t>lib</a:t>
+            </a:r>
+            <a:r>
+              <a:rPr lang="en-US" dirty="0" smtClean="0"/>
+              <a:t> folder </a:t>
+            </a:r>
+            <a:r>
+              <a:rPr lang="en-US" dirty="0"/>
+              <a:t>under the </a:t>
+            </a:r>
+            <a:r>
+              <a:rPr lang="en-US" dirty="0" smtClean="0">
+                <a:latin typeface="Consolas" panose="020B0609020204030204" pitchFamily="49" charset="0"/>
+                <a:cs typeface="Consolas" panose="020B0609020204030204" pitchFamily="49" charset="0"/>
+              </a:rPr>
+              <a:t>form1040-validation-rules</a:t>
+            </a:r>
+            <a:r>
+              <a:rPr lang="en-US" dirty="0" smtClean="0"/>
+              <a:t> project.</a:t>
+            </a:r>
+          </a:p>
+          <a:p>
+            <a:pPr marL="285750" indent="-285750">
+              <a:spcBef>
+                <a:spcPts val="600"/>
+              </a:spcBef>
+              <a:buFont typeface="Wingdings" panose="05000000000000000000" pitchFamily="2" charset="2"/>
+              <a:buChar char="§"/>
+            </a:pPr>
+            <a:r>
+              <a:rPr lang="en-US" dirty="0"/>
+              <a:t>Copy </a:t>
+            </a:r>
+            <a:r>
+              <a:rPr lang="en-US" dirty="0" smtClean="0">
+                <a:latin typeface="Consolas" panose="020B0609020204030204" pitchFamily="49" charset="0"/>
+                <a:cs typeface="Consolas" panose="020B0609020204030204" pitchFamily="49" charset="0"/>
+              </a:rPr>
+              <a:t>commons-logging-1.2.jar</a:t>
+            </a:r>
+            <a:r>
+              <a:rPr lang="en-US" dirty="0"/>
+              <a:t> from </a:t>
+            </a:r>
+            <a:r>
+              <a:rPr lang="en-US" dirty="0" smtClean="0">
+                <a:hlinkClick r:id="rId2"/>
+              </a:rPr>
+              <a:t>Apache Commons</a:t>
+            </a:r>
+            <a:r>
+              <a:rPr lang="en-US" dirty="0" smtClean="0"/>
+              <a:t> under </a:t>
+            </a:r>
+            <a:r>
+              <a:rPr lang="en-US" dirty="0" smtClean="0">
+                <a:latin typeface="Consolas" panose="020B0609020204030204" pitchFamily="49" charset="0"/>
+                <a:cs typeface="Consolas" panose="020B0609020204030204" pitchFamily="49" charset="0"/>
+              </a:rPr>
+              <a:t>lib</a:t>
+            </a:r>
+            <a:r>
+              <a:rPr lang="en-US" dirty="0" smtClean="0"/>
+              <a:t>.</a:t>
+            </a:r>
+          </a:p>
+          <a:p>
+            <a:pPr marL="285750" indent="-285750">
+              <a:spcBef>
+                <a:spcPts val="600"/>
+              </a:spcBef>
+              <a:buFont typeface="Wingdings" panose="05000000000000000000" pitchFamily="2" charset="2"/>
+              <a:buChar char="§"/>
+            </a:pPr>
+            <a:r>
+              <a:rPr lang="en-US" dirty="0"/>
+              <a:t>Copy </a:t>
+            </a:r>
+            <a:r>
+              <a:rPr lang="en-US" dirty="0">
+                <a:latin typeface="Consolas" panose="020B0609020204030204" pitchFamily="49" charset="0"/>
+                <a:cs typeface="Consolas" panose="020B0609020204030204" pitchFamily="49" charset="0"/>
+              </a:rPr>
+              <a:t>pdfbox-2.0.12.jar</a:t>
+            </a:r>
+            <a:r>
+              <a:rPr lang="en-US" dirty="0"/>
+              <a:t> and </a:t>
+            </a:r>
+            <a:r>
+              <a:rPr lang="en-US" dirty="0" smtClean="0">
+                <a:latin typeface="Consolas" panose="020B0609020204030204" pitchFamily="49" charset="0"/>
+                <a:cs typeface="Consolas" panose="020B0609020204030204" pitchFamily="49" charset="0"/>
+              </a:rPr>
+              <a:t>fontbox-2.0.12.jar</a:t>
+            </a:r>
+            <a:r>
+              <a:rPr lang="en-US" dirty="0"/>
+              <a:t> from </a:t>
+            </a:r>
+            <a:r>
+              <a:rPr lang="en-US" dirty="0" smtClean="0">
+                <a:hlinkClick r:id="rId3"/>
+              </a:rPr>
+              <a:t>Apache </a:t>
+            </a:r>
+            <a:r>
+              <a:rPr lang="en-US" dirty="0" err="1" smtClean="0">
+                <a:hlinkClick r:id="rId3"/>
+              </a:rPr>
+              <a:t>PDFBox</a:t>
+            </a:r>
+            <a:r>
+              <a:rPr lang="en-US" dirty="0" smtClean="0">
+                <a:hlinkClick r:id="rId3"/>
+              </a:rPr>
+              <a:t> </a:t>
+            </a:r>
+            <a:r>
+              <a:rPr lang="en-US" dirty="0" smtClean="0"/>
+              <a:t>under </a:t>
+            </a:r>
+            <a:r>
+              <a:rPr lang="en-US" dirty="0" smtClean="0">
+                <a:latin typeface="Consolas" panose="020B0609020204030204" pitchFamily="49" charset="0"/>
+                <a:cs typeface="Consolas" panose="020B0609020204030204" pitchFamily="49" charset="0"/>
+              </a:rPr>
+              <a:t>lib</a:t>
+            </a:r>
+            <a:r>
+              <a:rPr lang="en-US" dirty="0" smtClean="0"/>
+              <a:t>.</a:t>
+            </a:r>
+            <a:endParaRPr lang="en-US" dirty="0"/>
+          </a:p>
+          <a:p>
+            <a:endParaRPr lang="en-US" dirty="0"/>
           </a:p>
         </p:txBody>
       </p:sp>
@@ -3752,10 +3918,40 @@
           </a:p>
         </p:txBody>
       </p:sp>
+      <p:pic>
+        <p:nvPicPr>
+          <p:cNvPr id="6" name="Picture 5"/>
+          <p:cNvPicPr>
+            <a:picLocks noChangeAspect="1"/>
+          </p:cNvPicPr>
+          <p:nvPr/>
+        </p:nvPicPr>
+        <p:blipFill rotWithShape="1">
+          <a:blip r:embed="rId4"/>
+          <a:srcRect l="624" t="11193" r="64841" b="42058"/>
+          <a:stretch/>
+        </p:blipFill>
+        <p:spPr>
+          <a:xfrm>
+            <a:off x="4572000" y="703220"/>
+            <a:ext cx="4174278" cy="3674053"/>
+          </a:xfrm>
+          <a:prstGeom prst="rect">
+            <a:avLst/>
+          </a:prstGeom>
+          <a:ln>
+            <a:solidFill>
+              <a:schemeClr val="accent2">
+                <a:lumMod val="50000"/>
+              </a:schemeClr>
+            </a:solidFill>
+          </a:ln>
+        </p:spPr>
+      </p:pic>
     </p:spTree>
     <p:extLst>
       <p:ext uri="{BB962C8B-B14F-4D97-AF65-F5344CB8AC3E}">
-        <p14:creationId xmlns:p14="http://schemas.microsoft.com/office/powerpoint/2010/main" val="3202397444"/>
+        <p14:creationId xmlns:p14="http://schemas.microsoft.com/office/powerpoint/2010/main" val="61574304"/>
       </p:ext>
     </p:extLst>
   </p:cSld>
@@ -3791,6 +3987,966 @@
       </p:grpSpPr>
       <p:sp>
         <p:nvSpPr>
+          <p:cNvPr id="2" name="Title 1"/>
+          <p:cNvSpPr>
+            <a:spLocks noGrp="1"/>
+          </p:cNvSpPr>
+          <p:nvPr>
+            <p:ph type="title"/>
+          </p:nvPr>
+        </p:nvSpPr>
+        <p:spPr/>
+        <p:txBody>
+          <a:bodyPr/>
+          <a:lstStyle/>
+          <a:p>
+            <a:r>
+              <a:rPr lang="en-US" dirty="0" smtClean="0"/>
+              <a:t>Step 2: Sample execution in ODM Rule Designer</a:t>
+            </a:r>
+            <a:endParaRPr lang="en-US" dirty="0"/>
+          </a:p>
+        </p:txBody>
+      </p:sp>
+      <p:sp>
+        <p:nvSpPr>
+          <p:cNvPr id="3" name="Slide Number Placeholder 2"/>
+          <p:cNvSpPr>
+            <a:spLocks noGrp="1"/>
+          </p:cNvSpPr>
+          <p:nvPr>
+            <p:ph type="sldNum" sz="quarter" idx="10"/>
+          </p:nvPr>
+        </p:nvSpPr>
+        <p:spPr/>
+        <p:txBody>
+          <a:bodyPr/>
+          <a:lstStyle/>
+          <a:p>
+            <a:fld id="{D0BE6F14-FF48-0F4F-A8AA-2E3F25371E4A}" type="slidenum">
+              <a:rPr lang="en-US" smtClean="0"/>
+              <a:pPr/>
+              <a:t>3</a:t>
+            </a:fld>
+            <a:endParaRPr lang="en-US"/>
+          </a:p>
+        </p:txBody>
+      </p:sp>
+      <p:sp>
+        <p:nvSpPr>
+          <p:cNvPr id="4" name="Text Placeholder 3"/>
+          <p:cNvSpPr>
+            <a:spLocks noGrp="1"/>
+          </p:cNvSpPr>
+          <p:nvPr>
+            <p:ph type="body" sz="quarter" idx="12"/>
+          </p:nvPr>
+        </p:nvSpPr>
+        <p:spPr>
+          <a:xfrm>
+            <a:off x="228600" y="884664"/>
+            <a:ext cx="2547937" cy="3825894"/>
+          </a:xfrm>
+        </p:spPr>
+        <p:txBody>
+          <a:bodyPr/>
+          <a:lstStyle/>
+          <a:p>
+            <a:pPr marL="285750" indent="-285750">
+              <a:spcBef>
+                <a:spcPts val="600"/>
+              </a:spcBef>
+              <a:buFont typeface="Wingdings" panose="05000000000000000000" pitchFamily="2" charset="2"/>
+              <a:buChar char="§"/>
+            </a:pPr>
+            <a:r>
+              <a:rPr lang="en-US" dirty="0" smtClean="0"/>
+              <a:t>Create a run configuration for decision operation and select the </a:t>
+            </a:r>
+            <a:r>
+              <a:rPr lang="en-US" dirty="0" smtClean="0">
+                <a:latin typeface="Consolas" panose="020B0609020204030204" pitchFamily="49" charset="0"/>
+                <a:cs typeface="Consolas" panose="020B0609020204030204" pitchFamily="49" charset="0"/>
+              </a:rPr>
+              <a:t>validate 1040 file </a:t>
+            </a:r>
+            <a:r>
+              <a:rPr lang="en-US" dirty="0" smtClean="0"/>
+              <a:t>operation.</a:t>
+            </a:r>
+          </a:p>
+          <a:p>
+            <a:pPr marL="285750" indent="-285750">
+              <a:spcBef>
+                <a:spcPts val="600"/>
+              </a:spcBef>
+              <a:buFont typeface="Wingdings" panose="05000000000000000000" pitchFamily="2" charset="2"/>
+              <a:buChar char="§"/>
+            </a:pPr>
+            <a:r>
+              <a:rPr lang="en-US" dirty="0" smtClean="0"/>
+              <a:t>Provide the path to the form document for the </a:t>
+            </a:r>
+            <a:r>
+              <a:rPr lang="en-US" dirty="0" smtClean="0">
+                <a:latin typeface="Consolas" panose="020B0609020204030204" pitchFamily="49" charset="0"/>
+                <a:cs typeface="Consolas" panose="020B0609020204030204" pitchFamily="49" charset="0"/>
+              </a:rPr>
+              <a:t>file</a:t>
+            </a:r>
+            <a:r>
+              <a:rPr lang="en-US" dirty="0" smtClean="0"/>
+              <a:t> parameter value.</a:t>
+            </a:r>
+          </a:p>
+          <a:p>
+            <a:pPr marL="285750" indent="-285750">
+              <a:spcBef>
+                <a:spcPts val="600"/>
+              </a:spcBef>
+              <a:buFont typeface="Wingdings" panose="05000000000000000000" pitchFamily="2" charset="2"/>
+              <a:buChar char="§"/>
+            </a:pPr>
+            <a:r>
+              <a:rPr lang="en-US" dirty="0" smtClean="0"/>
+              <a:t>Run the configuration.</a:t>
+            </a:r>
+          </a:p>
+        </p:txBody>
+      </p:sp>
+      <p:sp>
+        <p:nvSpPr>
+          <p:cNvPr id="5" name="Footer Placeholder 4"/>
+          <p:cNvSpPr>
+            <a:spLocks noGrp="1"/>
+          </p:cNvSpPr>
+          <p:nvPr>
+            <p:ph type="ftr" sz="quarter" idx="14"/>
+          </p:nvPr>
+        </p:nvSpPr>
+        <p:spPr/>
+        <p:txBody>
+          <a:bodyPr/>
+          <a:lstStyle/>
+          <a:p>
+            <a:r>
+              <a:rPr lang="de-DE" dirty="0" smtClean="0"/>
+              <a:t>Digital Business Automation - © 2018 IBM Corporation</a:t>
+            </a:r>
+            <a:endParaRPr lang="en-US" dirty="0"/>
+          </a:p>
+        </p:txBody>
+      </p:sp>
+      <p:pic>
+        <p:nvPicPr>
+          <p:cNvPr id="6" name="Picture 5"/>
+          <p:cNvPicPr>
+            <a:picLocks noChangeAspect="1"/>
+          </p:cNvPicPr>
+          <p:nvPr/>
+        </p:nvPicPr>
+        <p:blipFill>
+          <a:blip r:embed="rId2"/>
+          <a:stretch>
+            <a:fillRect/>
+          </a:stretch>
+        </p:blipFill>
+        <p:spPr>
+          <a:xfrm>
+            <a:off x="3259667" y="703220"/>
+            <a:ext cx="5655733" cy="3759885"/>
+          </a:xfrm>
+          <a:prstGeom prst="rect">
+            <a:avLst/>
+          </a:prstGeom>
+          <a:ln>
+            <a:solidFill>
+              <a:schemeClr val="accent2">
+                <a:lumMod val="50000"/>
+              </a:schemeClr>
+            </a:solidFill>
+          </a:ln>
+        </p:spPr>
+      </p:pic>
+      <p:pic>
+        <p:nvPicPr>
+          <p:cNvPr id="7" name="Picture 6"/>
+          <p:cNvPicPr>
+            <a:picLocks noChangeAspect="1"/>
+          </p:cNvPicPr>
+          <p:nvPr/>
+        </p:nvPicPr>
+        <p:blipFill rotWithShape="1">
+          <a:blip r:embed="rId3"/>
+          <a:srcRect b="60930"/>
+          <a:stretch/>
+        </p:blipFill>
+        <p:spPr>
+          <a:xfrm>
+            <a:off x="258850" y="3553324"/>
+            <a:ext cx="5035373" cy="1157234"/>
+          </a:xfrm>
+          <a:prstGeom prst="rect">
+            <a:avLst/>
+          </a:prstGeom>
+          <a:ln>
+            <a:solidFill>
+              <a:schemeClr val="accent2">
+                <a:lumMod val="50000"/>
+              </a:schemeClr>
+            </a:solidFill>
+          </a:ln>
+        </p:spPr>
+      </p:pic>
+    </p:spTree>
+    <p:extLst>
+      <p:ext uri="{BB962C8B-B14F-4D97-AF65-F5344CB8AC3E}">
+        <p14:creationId xmlns:p14="http://schemas.microsoft.com/office/powerpoint/2010/main" val="3202397444"/>
+      </p:ext>
+    </p:extLst>
+  </p:cSld>
+  <p:clrMapOvr>
+    <a:masterClrMapping/>
+  </p:clrMapOvr>
+  <p:timing>
+    <p:tnLst>
+      <p:par>
+        <p:cTn id="1" dur="indefinite" restart="never" nodeType="tmRoot"/>
+      </p:par>
+    </p:tnLst>
+  </p:timing>
+</p:sld>
+</file>
+
+<file path=ppt/slides/slide4.xml><?xml version="1.0" encoding="utf-8"?>
+<p:sld xmlns:a="http://schemas.openxmlformats.org/drawingml/2006/main" xmlns:r="http://schemas.openxmlformats.org/officeDocument/2006/relationships" xmlns:p="http://schemas.openxmlformats.org/presentationml/2006/main">
+  <p:cSld>
+    <p:spTree>
+      <p:nvGrpSpPr>
+        <p:cNvPr id="1" name=""/>
+        <p:cNvGrpSpPr/>
+        <p:nvPr/>
+      </p:nvGrpSpPr>
+      <p:grpSpPr>
+        <a:xfrm>
+          <a:off x="0" y="0"/>
+          <a:ext cx="0" cy="0"/>
+          <a:chOff x="0" y="0"/>
+          <a:chExt cx="0" cy="0"/>
+        </a:xfrm>
+      </p:grpSpPr>
+      <p:pic>
+        <p:nvPicPr>
+          <p:cNvPr id="7" name="Picture 6"/>
+          <p:cNvPicPr>
+            <a:picLocks noChangeAspect="1"/>
+          </p:cNvPicPr>
+          <p:nvPr/>
+        </p:nvPicPr>
+        <p:blipFill>
+          <a:blip r:embed="rId2"/>
+          <a:stretch>
+            <a:fillRect/>
+          </a:stretch>
+        </p:blipFill>
+        <p:spPr>
+          <a:xfrm>
+            <a:off x="354752" y="1313127"/>
+            <a:ext cx="5982053" cy="3694797"/>
+          </a:xfrm>
+          <a:prstGeom prst="rect">
+            <a:avLst/>
+          </a:prstGeom>
+        </p:spPr>
+      </p:pic>
+      <p:sp>
+        <p:nvSpPr>
+          <p:cNvPr id="2" name="Title 1"/>
+          <p:cNvSpPr>
+            <a:spLocks noGrp="1"/>
+          </p:cNvSpPr>
+          <p:nvPr>
+            <p:ph type="title"/>
+          </p:nvPr>
+        </p:nvSpPr>
+        <p:spPr/>
+        <p:txBody>
+          <a:bodyPr/>
+          <a:lstStyle/>
+          <a:p>
+            <a:r>
+              <a:rPr lang="en-US" dirty="0" smtClean="0"/>
+              <a:t>Sample output</a:t>
+            </a:r>
+            <a:endParaRPr lang="en-US" dirty="0"/>
+          </a:p>
+        </p:txBody>
+      </p:sp>
+      <p:sp>
+        <p:nvSpPr>
+          <p:cNvPr id="3" name="Slide Number Placeholder 2"/>
+          <p:cNvSpPr>
+            <a:spLocks noGrp="1"/>
+          </p:cNvSpPr>
+          <p:nvPr>
+            <p:ph type="sldNum" sz="quarter" idx="10"/>
+          </p:nvPr>
+        </p:nvSpPr>
+        <p:spPr/>
+        <p:txBody>
+          <a:bodyPr/>
+          <a:lstStyle/>
+          <a:p>
+            <a:fld id="{D0BE6F14-FF48-0F4F-A8AA-2E3F25371E4A}" type="slidenum">
+              <a:rPr lang="en-US" smtClean="0"/>
+              <a:pPr/>
+              <a:t>4</a:t>
+            </a:fld>
+            <a:endParaRPr lang="en-US"/>
+          </a:p>
+        </p:txBody>
+      </p:sp>
+      <p:sp>
+        <p:nvSpPr>
+          <p:cNvPr id="4" name="Text Placeholder 3"/>
+          <p:cNvSpPr>
+            <a:spLocks noGrp="1"/>
+          </p:cNvSpPr>
+          <p:nvPr>
+            <p:ph type="body" sz="quarter" idx="12"/>
+          </p:nvPr>
+        </p:nvSpPr>
+        <p:spPr>
+          <a:xfrm>
+            <a:off x="228600" y="884664"/>
+            <a:ext cx="4524022" cy="3825894"/>
+          </a:xfrm>
+        </p:spPr>
+        <p:txBody>
+          <a:bodyPr/>
+          <a:lstStyle/>
+          <a:p>
+            <a:r>
+              <a:rPr lang="en-US" dirty="0" smtClean="0"/>
+              <a:t>Using the sample form 1040 provides in the doc folder, the output of the rule execution is the following:</a:t>
+            </a:r>
+            <a:endParaRPr lang="en-US" dirty="0"/>
+          </a:p>
+        </p:txBody>
+      </p:sp>
+      <p:sp>
+        <p:nvSpPr>
+          <p:cNvPr id="5" name="Footer Placeholder 4"/>
+          <p:cNvSpPr>
+            <a:spLocks noGrp="1"/>
+          </p:cNvSpPr>
+          <p:nvPr>
+            <p:ph type="ftr" sz="quarter" idx="14"/>
+          </p:nvPr>
+        </p:nvSpPr>
+        <p:spPr/>
+        <p:txBody>
+          <a:bodyPr/>
+          <a:lstStyle/>
+          <a:p>
+            <a:r>
+              <a:rPr lang="de-DE" dirty="0" smtClean="0"/>
+              <a:t>Digital Business Automation - © 2018 IBM Corporation</a:t>
+            </a:r>
+            <a:endParaRPr lang="en-US" dirty="0"/>
+          </a:p>
+        </p:txBody>
+      </p:sp>
+      <p:sp>
+        <p:nvSpPr>
+          <p:cNvPr id="6" name="Rectangle 5"/>
+          <p:cNvSpPr/>
+          <p:nvPr/>
+        </p:nvSpPr>
+        <p:spPr>
+          <a:xfrm>
+            <a:off x="2903220" y="2588906"/>
+            <a:ext cx="6120057" cy="1384995"/>
+          </a:xfrm>
+          <a:prstGeom prst="rect">
+            <a:avLst/>
+          </a:prstGeom>
+          <a:solidFill>
+            <a:srgbClr val="FFC000"/>
+          </a:solidFill>
+          <a:ln>
+            <a:solidFill>
+              <a:schemeClr val="accent2">
+                <a:lumMod val="50000"/>
+              </a:schemeClr>
+            </a:solidFill>
+          </a:ln>
+        </p:spPr>
+        <p:txBody>
+          <a:bodyPr wrap="square">
+            <a:spAutoFit/>
+          </a:bodyPr>
+          <a:lstStyle/>
+          <a:p>
+            <a:r>
+              <a:rPr lang="en-US" sz="1400" dirty="0">
+                <a:solidFill>
+                  <a:srgbClr val="000000"/>
+                </a:solidFill>
+                <a:latin typeface="Consolas" panose="020B0609020204030204" pitchFamily="49" charset="0"/>
+              </a:rPr>
+              <a:t>Starting form validation.</a:t>
+            </a:r>
+          </a:p>
+          <a:p>
+            <a:r>
+              <a:rPr lang="en-US" sz="1400" dirty="0">
+                <a:solidFill>
+                  <a:srgbClr val="000000"/>
+                </a:solidFill>
+                <a:latin typeface="Consolas" panose="020B0609020204030204" pitchFamily="49" charset="0"/>
+              </a:rPr>
+              <a:t>Warning: AGI is low compared to total income</a:t>
+            </a:r>
+          </a:p>
+          <a:p>
+            <a:r>
+              <a:rPr lang="en-US" sz="1400" dirty="0">
+                <a:solidFill>
+                  <a:srgbClr val="000000"/>
+                </a:solidFill>
+                <a:latin typeface="Consolas" panose="020B0609020204030204" pitchFamily="49" charset="0"/>
+              </a:rPr>
+              <a:t>Warning: IRA deduction is over the limit</a:t>
+            </a:r>
+          </a:p>
+          <a:p>
+            <a:r>
+              <a:rPr lang="en-US" sz="1400" dirty="0">
+                <a:solidFill>
+                  <a:srgbClr val="000000"/>
+                </a:solidFill>
+                <a:latin typeface="Consolas" panose="020B0609020204030204" pitchFamily="49" charset="0"/>
+              </a:rPr>
+              <a:t>Warning: Confirm dependents can actually be claimed by payer</a:t>
+            </a:r>
+          </a:p>
+          <a:p>
+            <a:r>
+              <a:rPr lang="en-US" sz="1400" dirty="0">
+                <a:solidFill>
+                  <a:srgbClr val="000000"/>
+                </a:solidFill>
+                <a:latin typeface="Consolas" panose="020B0609020204030204" pitchFamily="49" charset="0"/>
+              </a:rPr>
+              <a:t>Warning: Verify claim for educator expenses</a:t>
+            </a:r>
+          </a:p>
+          <a:p>
+            <a:r>
+              <a:rPr lang="en-US" sz="1400" dirty="0">
+                <a:solidFill>
+                  <a:srgbClr val="000000"/>
+                </a:solidFill>
+                <a:latin typeface="Consolas" panose="020B0609020204030204" pitchFamily="49" charset="0"/>
+              </a:rPr>
+              <a:t>Form validation completed.</a:t>
+            </a:r>
+            <a:endParaRPr lang="en-US" dirty="0"/>
+          </a:p>
+        </p:txBody>
+      </p:sp>
+    </p:spTree>
+    <p:extLst>
+      <p:ext uri="{BB962C8B-B14F-4D97-AF65-F5344CB8AC3E}">
+        <p14:creationId xmlns:p14="http://schemas.microsoft.com/office/powerpoint/2010/main" val="1797048126"/>
+      </p:ext>
+    </p:extLst>
+  </p:cSld>
+  <p:clrMapOvr>
+    <a:masterClrMapping/>
+  </p:clrMapOvr>
+  <p:timing>
+    <p:tnLst>
+      <p:par>
+        <p:cTn id="1" dur="indefinite" restart="never" nodeType="tmRoot"/>
+      </p:par>
+    </p:tnLst>
+  </p:timing>
+</p:sld>
+</file>
+
+<file path=ppt/slides/slide5.xml><?xml version="1.0" encoding="utf-8"?>
+<p:sld xmlns:a="http://schemas.openxmlformats.org/drawingml/2006/main" xmlns:r="http://schemas.openxmlformats.org/officeDocument/2006/relationships" xmlns:p="http://schemas.openxmlformats.org/presentationml/2006/main">
+  <p:cSld>
+    <p:spTree>
+      <p:nvGrpSpPr>
+        <p:cNvPr id="1" name=""/>
+        <p:cNvGrpSpPr/>
+        <p:nvPr/>
+      </p:nvGrpSpPr>
+      <p:grpSpPr>
+        <a:xfrm>
+          <a:off x="0" y="0"/>
+          <a:ext cx="0" cy="0"/>
+          <a:chOff x="0" y="0"/>
+          <a:chExt cx="0" cy="0"/>
+        </a:xfrm>
+      </p:grpSpPr>
+      <p:sp>
+        <p:nvSpPr>
+          <p:cNvPr id="2" name="Title 1"/>
+          <p:cNvSpPr>
+            <a:spLocks noGrp="1"/>
+          </p:cNvSpPr>
+          <p:nvPr>
+            <p:ph type="title"/>
+          </p:nvPr>
+        </p:nvSpPr>
+        <p:spPr/>
+        <p:txBody>
+          <a:bodyPr/>
+          <a:lstStyle/>
+          <a:p>
+            <a:r>
+              <a:rPr lang="en-US" dirty="0" smtClean="0"/>
+              <a:t>Sample rule 1</a:t>
+            </a:r>
+            <a:endParaRPr lang="en-US" dirty="0"/>
+          </a:p>
+        </p:txBody>
+      </p:sp>
+      <p:sp>
+        <p:nvSpPr>
+          <p:cNvPr id="3" name="Slide Number Placeholder 2"/>
+          <p:cNvSpPr>
+            <a:spLocks noGrp="1"/>
+          </p:cNvSpPr>
+          <p:nvPr>
+            <p:ph type="sldNum" sz="quarter" idx="10"/>
+          </p:nvPr>
+        </p:nvSpPr>
+        <p:spPr/>
+        <p:txBody>
+          <a:bodyPr/>
+          <a:lstStyle/>
+          <a:p>
+            <a:fld id="{D0BE6F14-FF48-0F4F-A8AA-2E3F25371E4A}" type="slidenum">
+              <a:rPr lang="en-US" smtClean="0"/>
+              <a:pPr/>
+              <a:t>5</a:t>
+            </a:fld>
+            <a:endParaRPr lang="en-US"/>
+          </a:p>
+        </p:txBody>
+      </p:sp>
+      <p:sp>
+        <p:nvSpPr>
+          <p:cNvPr id="4" name="Text Placeholder 3"/>
+          <p:cNvSpPr>
+            <a:spLocks noGrp="1"/>
+          </p:cNvSpPr>
+          <p:nvPr>
+            <p:ph type="body" sz="quarter" idx="12"/>
+          </p:nvPr>
+        </p:nvSpPr>
+        <p:spPr>
+          <a:xfrm>
+            <a:off x="228600" y="884664"/>
+            <a:ext cx="5980289" cy="3825894"/>
+          </a:xfrm>
+        </p:spPr>
+        <p:txBody>
+          <a:bodyPr/>
+          <a:lstStyle/>
+          <a:p>
+            <a:r>
+              <a:rPr lang="en-US" dirty="0" smtClean="0"/>
+              <a:t>The following rule checks whether educator expenses are claimed when the person who files the return or the spouse do not appear to have an occupation related to education.</a:t>
+            </a:r>
+            <a:endParaRPr lang="en-US" dirty="0"/>
+          </a:p>
+        </p:txBody>
+      </p:sp>
+      <p:sp>
+        <p:nvSpPr>
+          <p:cNvPr id="5" name="Footer Placeholder 4"/>
+          <p:cNvSpPr>
+            <a:spLocks noGrp="1"/>
+          </p:cNvSpPr>
+          <p:nvPr>
+            <p:ph type="ftr" sz="quarter" idx="14"/>
+          </p:nvPr>
+        </p:nvSpPr>
+        <p:spPr/>
+        <p:txBody>
+          <a:bodyPr/>
+          <a:lstStyle/>
+          <a:p>
+            <a:r>
+              <a:rPr lang="de-DE" smtClean="0"/>
+              <a:t>Digital Business Automation - © 2018 IBM Corporation</a:t>
+            </a:r>
+            <a:endParaRPr lang="en-US" dirty="0"/>
+          </a:p>
+        </p:txBody>
+      </p:sp>
+      <p:pic>
+        <p:nvPicPr>
+          <p:cNvPr id="6" name="Picture 5"/>
+          <p:cNvPicPr>
+            <a:picLocks noChangeAspect="1"/>
+          </p:cNvPicPr>
+          <p:nvPr/>
+        </p:nvPicPr>
+        <p:blipFill>
+          <a:blip r:embed="rId2"/>
+          <a:stretch>
+            <a:fillRect/>
+          </a:stretch>
+        </p:blipFill>
+        <p:spPr>
+          <a:xfrm>
+            <a:off x="1091848" y="1652587"/>
+            <a:ext cx="7524750" cy="1838325"/>
+          </a:xfrm>
+          <a:prstGeom prst="rect">
+            <a:avLst/>
+          </a:prstGeom>
+        </p:spPr>
+      </p:pic>
+      <p:pic>
+        <p:nvPicPr>
+          <p:cNvPr id="7" name="Picture 6"/>
+          <p:cNvPicPr>
+            <a:picLocks noChangeAspect="1"/>
+          </p:cNvPicPr>
+          <p:nvPr/>
+        </p:nvPicPr>
+        <p:blipFill>
+          <a:blip r:embed="rId3"/>
+          <a:stretch>
+            <a:fillRect/>
+          </a:stretch>
+        </p:blipFill>
+        <p:spPr>
+          <a:xfrm>
+            <a:off x="624064" y="3983539"/>
+            <a:ext cx="4467225" cy="161925"/>
+          </a:xfrm>
+          <a:prstGeom prst="rect">
+            <a:avLst/>
+          </a:prstGeom>
+          <a:ln>
+            <a:solidFill>
+              <a:schemeClr val="accent2">
+                <a:lumMod val="50000"/>
+              </a:schemeClr>
+            </a:solidFill>
+          </a:ln>
+        </p:spPr>
+      </p:pic>
+      <p:pic>
+        <p:nvPicPr>
+          <p:cNvPr id="8" name="Picture 7"/>
+          <p:cNvPicPr>
+            <a:picLocks noChangeAspect="1"/>
+          </p:cNvPicPr>
+          <p:nvPr/>
+        </p:nvPicPr>
+        <p:blipFill>
+          <a:blip r:embed="rId4"/>
+          <a:stretch>
+            <a:fillRect/>
+          </a:stretch>
+        </p:blipFill>
+        <p:spPr>
+          <a:xfrm>
+            <a:off x="5910262" y="3707315"/>
+            <a:ext cx="1895475" cy="714375"/>
+          </a:xfrm>
+          <a:prstGeom prst="rect">
+            <a:avLst/>
+          </a:prstGeom>
+          <a:ln>
+            <a:solidFill>
+              <a:schemeClr val="accent2">
+                <a:lumMod val="50000"/>
+              </a:schemeClr>
+            </a:solidFill>
+          </a:ln>
+        </p:spPr>
+      </p:pic>
+      <p:cxnSp>
+        <p:nvCxnSpPr>
+          <p:cNvPr id="10" name="Straight Arrow Connector 9"/>
+          <p:cNvCxnSpPr>
+            <a:stCxn id="7" idx="3"/>
+            <a:endCxn id="8" idx="1"/>
+          </p:cNvCxnSpPr>
+          <p:nvPr/>
+        </p:nvCxnSpPr>
+        <p:spPr>
+          <a:xfrm>
+            <a:off x="5091289" y="4064502"/>
+            <a:ext cx="818973" cy="1"/>
+          </a:xfrm>
+          <a:prstGeom prst="straightConnector1">
+            <a:avLst/>
+          </a:prstGeom>
+          <a:ln>
+            <a:headEnd type="triangle" w="med" len="med"/>
+            <a:tailEnd type="triangle" w="med" len="med"/>
+          </a:ln>
+        </p:spPr>
+        <p:style>
+          <a:lnRef idx="2">
+            <a:schemeClr val="accent1"/>
+          </a:lnRef>
+          <a:fillRef idx="0">
+            <a:schemeClr val="accent1"/>
+          </a:fillRef>
+          <a:effectRef idx="1">
+            <a:schemeClr val="accent1"/>
+          </a:effectRef>
+          <a:fontRef idx="minor">
+            <a:schemeClr val="tx1"/>
+          </a:fontRef>
+        </p:style>
+      </p:cxnSp>
+    </p:spTree>
+    <p:extLst>
+      <p:ext uri="{BB962C8B-B14F-4D97-AF65-F5344CB8AC3E}">
+        <p14:creationId xmlns:p14="http://schemas.microsoft.com/office/powerpoint/2010/main" val="142675365"/>
+      </p:ext>
+    </p:extLst>
+  </p:cSld>
+  <p:clrMapOvr>
+    <a:masterClrMapping/>
+  </p:clrMapOvr>
+  <p:timing>
+    <p:tnLst>
+      <p:par>
+        <p:cTn id="1" dur="indefinite" restart="never" nodeType="tmRoot"/>
+      </p:par>
+    </p:tnLst>
+  </p:timing>
+</p:sld>
+</file>
+
+<file path=ppt/slides/slide6.xml><?xml version="1.0" encoding="utf-8"?>
+<p:sld xmlns:a="http://schemas.openxmlformats.org/drawingml/2006/main" xmlns:r="http://schemas.openxmlformats.org/officeDocument/2006/relationships" xmlns:p="http://schemas.openxmlformats.org/presentationml/2006/main">
+  <p:cSld>
+    <p:spTree>
+      <p:nvGrpSpPr>
+        <p:cNvPr id="1" name=""/>
+        <p:cNvGrpSpPr/>
+        <p:nvPr/>
+      </p:nvGrpSpPr>
+      <p:grpSpPr>
+        <a:xfrm>
+          <a:off x="0" y="0"/>
+          <a:ext cx="0" cy="0"/>
+          <a:chOff x="0" y="0"/>
+          <a:chExt cx="0" cy="0"/>
+        </a:xfrm>
+      </p:grpSpPr>
+      <p:sp>
+        <p:nvSpPr>
+          <p:cNvPr id="2" name="Title 1"/>
+          <p:cNvSpPr>
+            <a:spLocks noGrp="1"/>
+          </p:cNvSpPr>
+          <p:nvPr>
+            <p:ph type="title"/>
+          </p:nvPr>
+        </p:nvSpPr>
+        <p:spPr/>
+        <p:txBody>
+          <a:bodyPr/>
+          <a:lstStyle/>
+          <a:p>
+            <a:r>
+              <a:rPr lang="en-US" dirty="0" smtClean="0"/>
+              <a:t>Sample rule 2</a:t>
+            </a:r>
+            <a:endParaRPr lang="en-US" dirty="0"/>
+          </a:p>
+        </p:txBody>
+      </p:sp>
+      <p:sp>
+        <p:nvSpPr>
+          <p:cNvPr id="3" name="Slide Number Placeholder 2"/>
+          <p:cNvSpPr>
+            <a:spLocks noGrp="1"/>
+          </p:cNvSpPr>
+          <p:nvPr>
+            <p:ph type="sldNum" sz="quarter" idx="10"/>
+          </p:nvPr>
+        </p:nvSpPr>
+        <p:spPr/>
+        <p:txBody>
+          <a:bodyPr/>
+          <a:lstStyle/>
+          <a:p>
+            <a:fld id="{D0BE6F14-FF48-0F4F-A8AA-2E3F25371E4A}" type="slidenum">
+              <a:rPr lang="en-US" smtClean="0"/>
+              <a:pPr/>
+              <a:t>6</a:t>
+            </a:fld>
+            <a:endParaRPr lang="en-US"/>
+          </a:p>
+        </p:txBody>
+      </p:sp>
+      <p:sp>
+        <p:nvSpPr>
+          <p:cNvPr id="4" name="Text Placeholder 3"/>
+          <p:cNvSpPr>
+            <a:spLocks noGrp="1"/>
+          </p:cNvSpPr>
+          <p:nvPr>
+            <p:ph type="body" sz="quarter" idx="12"/>
+          </p:nvPr>
+        </p:nvSpPr>
+        <p:spPr>
+          <a:xfrm>
+            <a:off x="228600" y="884664"/>
+            <a:ext cx="5417820" cy="3825894"/>
+          </a:xfrm>
+        </p:spPr>
+        <p:txBody>
+          <a:bodyPr/>
+          <a:lstStyle/>
+          <a:p>
+            <a:r>
+              <a:rPr lang="en-US" dirty="0"/>
+              <a:t>The following rule </a:t>
+            </a:r>
+            <a:r>
+              <a:rPr lang="en-US" dirty="0" smtClean="0"/>
+              <a:t>checks whether the dependents listed are children of the person who files the return. If they are not, add a warning to confirm they can actually be claimed as dependents.</a:t>
+            </a:r>
+            <a:endParaRPr lang="en-US" dirty="0"/>
+          </a:p>
+        </p:txBody>
+      </p:sp>
+      <p:sp>
+        <p:nvSpPr>
+          <p:cNvPr id="5" name="Footer Placeholder 4"/>
+          <p:cNvSpPr>
+            <a:spLocks noGrp="1"/>
+          </p:cNvSpPr>
+          <p:nvPr>
+            <p:ph type="ftr" sz="quarter" idx="14"/>
+          </p:nvPr>
+        </p:nvSpPr>
+        <p:spPr/>
+        <p:txBody>
+          <a:bodyPr/>
+          <a:lstStyle/>
+          <a:p>
+            <a:r>
+              <a:rPr lang="de-DE" smtClean="0"/>
+              <a:t>Digital Business Automation - © 2018 IBM Corporation</a:t>
+            </a:r>
+            <a:endParaRPr lang="en-US" dirty="0"/>
+          </a:p>
+        </p:txBody>
+      </p:sp>
+      <p:pic>
+        <p:nvPicPr>
+          <p:cNvPr id="6" name="Picture 5"/>
+          <p:cNvPicPr>
+            <a:picLocks noChangeAspect="1"/>
+          </p:cNvPicPr>
+          <p:nvPr/>
+        </p:nvPicPr>
+        <p:blipFill>
+          <a:blip r:embed="rId2"/>
+          <a:stretch>
+            <a:fillRect/>
+          </a:stretch>
+        </p:blipFill>
+        <p:spPr>
+          <a:xfrm>
+            <a:off x="419100" y="1847635"/>
+            <a:ext cx="8496300" cy="1600535"/>
+          </a:xfrm>
+          <a:prstGeom prst="rect">
+            <a:avLst/>
+          </a:prstGeom>
+        </p:spPr>
+      </p:pic>
+      <p:pic>
+        <p:nvPicPr>
+          <p:cNvPr id="7" name="Picture 6"/>
+          <p:cNvPicPr>
+            <a:picLocks noChangeAspect="1"/>
+          </p:cNvPicPr>
+          <p:nvPr/>
+        </p:nvPicPr>
+        <p:blipFill>
+          <a:blip r:embed="rId3"/>
+          <a:stretch>
+            <a:fillRect/>
+          </a:stretch>
+        </p:blipFill>
+        <p:spPr>
+          <a:xfrm>
+            <a:off x="2807970" y="3844594"/>
+            <a:ext cx="4838700" cy="923925"/>
+          </a:xfrm>
+          <a:prstGeom prst="rect">
+            <a:avLst/>
+          </a:prstGeom>
+          <a:ln>
+            <a:solidFill>
+              <a:schemeClr val="accent2">
+                <a:lumMod val="50000"/>
+              </a:schemeClr>
+            </a:solidFill>
+          </a:ln>
+        </p:spPr>
+      </p:pic>
+    </p:spTree>
+    <p:extLst>
+      <p:ext uri="{BB962C8B-B14F-4D97-AF65-F5344CB8AC3E}">
+        <p14:creationId xmlns:p14="http://schemas.microsoft.com/office/powerpoint/2010/main" val="2702696513"/>
+      </p:ext>
+    </p:extLst>
+  </p:cSld>
+  <p:clrMapOvr>
+    <a:masterClrMapping/>
+  </p:clrMapOvr>
+  <p:timing>
+    <p:tnLst>
+      <p:par>
+        <p:cTn id="1" dur="indefinite" restart="never" nodeType="tmRoot"/>
+      </p:par>
+    </p:tnLst>
+  </p:timing>
+</p:sld>
+</file>
+
+<file path=ppt/slides/slide7.xml><?xml version="1.0" encoding="utf-8"?>
+<p:sld xmlns:a="http://schemas.openxmlformats.org/drawingml/2006/main" xmlns:r="http://schemas.openxmlformats.org/officeDocument/2006/relationships" xmlns:p="http://schemas.openxmlformats.org/presentationml/2006/main">
+  <p:cSld>
+    <p:spTree>
+      <p:nvGrpSpPr>
+        <p:cNvPr id="1" name=""/>
+        <p:cNvGrpSpPr/>
+        <p:nvPr/>
+      </p:nvGrpSpPr>
+      <p:grpSpPr>
+        <a:xfrm>
+          <a:off x="0" y="0"/>
+          <a:ext cx="0" cy="0"/>
+          <a:chOff x="0" y="0"/>
+          <a:chExt cx="0" cy="0"/>
+        </a:xfrm>
+      </p:grpSpPr>
+      <p:sp>
+        <p:nvSpPr>
           <p:cNvPr id="2" name="Slide Number Placeholder 1"/>
           <p:cNvSpPr>
             <a:spLocks noGrp="1"/>
@@ -3852,7 +5008,7 @@
                 <a:tabLst/>
                 <a:defRPr/>
               </a:pPr>
-              <a:t>3</a:t>
+              <a:t>7</a:t>
             </a:fld>
             <a:endParaRPr kumimoji="0" lang="en-US" sz="600" b="0" i="0" u="none" strike="noStrike" kern="1200" cap="none" spc="0" normalizeH="0" baseline="0" noProof="0">
               <a:ln>
